--- a/IKT PPT/Beadandó SK .pptx
+++ b/IKT PPT/Beadandó SK .pptx
@@ -12,8 +12,9 @@
     <p:sldId id="259" r:id="rId6"/>
     <p:sldId id="261" r:id="rId7"/>
     <p:sldId id="263" r:id="rId8"/>
-    <p:sldId id="264" r:id="rId9"/>
-    <p:sldId id="265" r:id="rId10"/>
+    <p:sldId id="266" r:id="rId9"/>
+    <p:sldId id="264" r:id="rId10"/>
+    <p:sldId id="265" r:id="rId11"/>
   </p:sldIdLst>
   <p:sldSz cx="12192000" cy="6858000"/>
   <p:notesSz cx="6858000" cy="9144000"/>
@@ -317,7 +318,7 @@
           <a:p>
             <a:fld id="{BD5193CC-C62B-423D-A098-867CDE0A1E84}" type="datetimeFigureOut">
               <a:rPr lang="hu-HU" smtClean="0"/>
-              <a:t>2022. 09. 25.</a:t>
+              <a:t>2022. 10. 03.</a:t>
             </a:fld>
             <a:endParaRPr lang="hu-HU"/>
           </a:p>
@@ -592,7 +593,7 @@
           <a:p>
             <a:fld id="{BD5193CC-C62B-423D-A098-867CDE0A1E84}" type="datetimeFigureOut">
               <a:rPr lang="hu-HU" smtClean="0"/>
-              <a:t>2022. 09. 25.</a:t>
+              <a:t>2022. 10. 03.</a:t>
             </a:fld>
             <a:endParaRPr lang="hu-HU"/>
           </a:p>
@@ -786,7 +787,7 @@
           <a:p>
             <a:fld id="{BD5193CC-C62B-423D-A098-867CDE0A1E84}" type="datetimeFigureOut">
               <a:rPr lang="hu-HU" smtClean="0"/>
-              <a:t>2022. 09. 25.</a:t>
+              <a:t>2022. 10. 03.</a:t>
             </a:fld>
             <a:endParaRPr lang="hu-HU"/>
           </a:p>
@@ -1059,7 +1060,7 @@
           <a:p>
             <a:fld id="{BD5193CC-C62B-423D-A098-867CDE0A1E84}" type="datetimeFigureOut">
               <a:rPr lang="hu-HU" smtClean="0"/>
-              <a:t>2022. 09. 25.</a:t>
+              <a:t>2022. 10. 03.</a:t>
             </a:fld>
             <a:endParaRPr lang="hu-HU"/>
           </a:p>
@@ -1400,7 +1401,7 @@
           <a:p>
             <a:fld id="{BD5193CC-C62B-423D-A098-867CDE0A1E84}" type="datetimeFigureOut">
               <a:rPr lang="hu-HU" smtClean="0"/>
-              <a:t>2022. 09. 25.</a:t>
+              <a:t>2022. 10. 03.</a:t>
             </a:fld>
             <a:endParaRPr lang="hu-HU"/>
           </a:p>
@@ -2023,7 +2024,7 @@
           <a:p>
             <a:fld id="{BD5193CC-C62B-423D-A098-867CDE0A1E84}" type="datetimeFigureOut">
               <a:rPr lang="hu-HU" smtClean="0"/>
-              <a:t>2022. 09. 25.</a:t>
+              <a:t>2022. 10. 03.</a:t>
             </a:fld>
             <a:endParaRPr lang="hu-HU"/>
           </a:p>
@@ -2883,7 +2884,7 @@
           <a:p>
             <a:fld id="{BD5193CC-C62B-423D-A098-867CDE0A1E84}" type="datetimeFigureOut">
               <a:rPr lang="hu-HU" smtClean="0"/>
-              <a:t>2022. 09. 25.</a:t>
+              <a:t>2022. 10. 03.</a:t>
             </a:fld>
             <a:endParaRPr lang="hu-HU"/>
           </a:p>
@@ -3053,7 +3054,7 @@
           <a:p>
             <a:fld id="{BD5193CC-C62B-423D-A098-867CDE0A1E84}" type="datetimeFigureOut">
               <a:rPr lang="hu-HU" smtClean="0"/>
-              <a:t>2022. 09. 25.</a:t>
+              <a:t>2022. 10. 03.</a:t>
             </a:fld>
             <a:endParaRPr lang="hu-HU"/>
           </a:p>
@@ -3233,7 +3234,7 @@
           <a:p>
             <a:fld id="{BD5193CC-C62B-423D-A098-867CDE0A1E84}" type="datetimeFigureOut">
               <a:rPr lang="hu-HU" smtClean="0"/>
-              <a:t>2022. 09. 25.</a:t>
+              <a:t>2022. 10. 03.</a:t>
             </a:fld>
             <a:endParaRPr lang="hu-HU"/>
           </a:p>
@@ -3403,7 +3404,7 @@
           <a:p>
             <a:fld id="{BD5193CC-C62B-423D-A098-867CDE0A1E84}" type="datetimeFigureOut">
               <a:rPr lang="hu-HU" smtClean="0"/>
-              <a:t>2022. 09. 25.</a:t>
+              <a:t>2022. 10. 03.</a:t>
             </a:fld>
             <a:endParaRPr lang="hu-HU"/>
           </a:p>
@@ -3650,7 +3651,7 @@
           <a:p>
             <a:fld id="{BD5193CC-C62B-423D-A098-867CDE0A1E84}" type="datetimeFigureOut">
               <a:rPr lang="hu-HU" smtClean="0"/>
-              <a:t>2022. 09. 25.</a:t>
+              <a:t>2022. 10. 03.</a:t>
             </a:fld>
             <a:endParaRPr lang="hu-HU"/>
           </a:p>
@@ -3942,7 +3943,7 @@
           <a:p>
             <a:fld id="{BD5193CC-C62B-423D-A098-867CDE0A1E84}" type="datetimeFigureOut">
               <a:rPr lang="hu-HU" smtClean="0"/>
-              <a:t>2022. 09. 25.</a:t>
+              <a:t>2022. 10. 03.</a:t>
             </a:fld>
             <a:endParaRPr lang="hu-HU"/>
           </a:p>
@@ -4386,7 +4387,7 @@
           <a:p>
             <a:fld id="{BD5193CC-C62B-423D-A098-867CDE0A1E84}" type="datetimeFigureOut">
               <a:rPr lang="hu-HU" smtClean="0"/>
-              <a:t>2022. 09. 25.</a:t>
+              <a:t>2022. 10. 03.</a:t>
             </a:fld>
             <a:endParaRPr lang="hu-HU"/>
           </a:p>
@@ -4504,7 +4505,7 @@
           <a:p>
             <a:fld id="{BD5193CC-C62B-423D-A098-867CDE0A1E84}" type="datetimeFigureOut">
               <a:rPr lang="hu-HU" smtClean="0"/>
-              <a:t>2022. 09. 25.</a:t>
+              <a:t>2022. 10. 03.</a:t>
             </a:fld>
             <a:endParaRPr lang="hu-HU"/>
           </a:p>
@@ -4599,7 +4600,7 @@
           <a:p>
             <a:fld id="{BD5193CC-C62B-423D-A098-867CDE0A1E84}" type="datetimeFigureOut">
               <a:rPr lang="hu-HU" smtClean="0"/>
-              <a:t>2022. 09. 25.</a:t>
+              <a:t>2022. 10. 03.</a:t>
             </a:fld>
             <a:endParaRPr lang="hu-HU"/>
           </a:p>
@@ -4878,7 +4879,7 @@
           <a:p>
             <a:fld id="{BD5193CC-C62B-423D-A098-867CDE0A1E84}" type="datetimeFigureOut">
               <a:rPr lang="hu-HU" smtClean="0"/>
-              <a:t>2022. 09. 25.</a:t>
+              <a:t>2022. 10. 03.</a:t>
             </a:fld>
             <a:endParaRPr lang="hu-HU"/>
           </a:p>
@@ -5153,7 +5154,7 @@
           <a:p>
             <a:fld id="{BD5193CC-C62B-423D-A098-867CDE0A1E84}" type="datetimeFigureOut">
               <a:rPr lang="hu-HU" smtClean="0"/>
-              <a:t>2022. 09. 25.</a:t>
+              <a:t>2022. 10. 03.</a:t>
             </a:fld>
             <a:endParaRPr lang="hu-HU"/>
           </a:p>
@@ -5582,7 +5583,7 @@
           <a:p>
             <a:fld id="{BD5193CC-C62B-423D-A098-867CDE0A1E84}" type="datetimeFigureOut">
               <a:rPr lang="hu-HU" smtClean="0"/>
-              <a:t>2022. 09. 25.</a:t>
+              <a:t>2022. 10. 03.</a:t>
             </a:fld>
             <a:endParaRPr lang="hu-HU"/>
           </a:p>
@@ -6123,7 +6124,7 @@
         <p:spPr>
           <a:xfrm>
             <a:off x="1707807" y="2137719"/>
-            <a:ext cx="8585886" cy="1024582"/>
+            <a:ext cx="9058164" cy="1024582"/>
           </a:xfrm>
         </p:spPr>
         <p:txBody>
@@ -6133,7 +6134,7 @@
           <a:lstStyle/>
           <a:p>
             <a:r>
-              <a:rPr lang="hu-HU" dirty="0">
+              <a:rPr lang="hu-HU" b="1" dirty="0">
                 <a:latin typeface="Arial Unicode MS" panose="020B0604020202020204" pitchFamily="34" charset="-128"/>
                 <a:ea typeface="Arial Unicode MS" panose="020B0604020202020204" pitchFamily="34" charset="-128"/>
                 <a:cs typeface="Arial Unicode MS" panose="020B0604020202020204" pitchFamily="34" charset="-128"/>
@@ -6180,6 +6181,67 @@
     <p:extLst>
       <p:ext uri="{BB962C8B-B14F-4D97-AF65-F5344CB8AC3E}">
         <p14:creationId xmlns:p14="http://schemas.microsoft.com/office/powerpoint/2010/main" val="3512294133"/>
+      </p:ext>
+    </p:extLst>
+  </p:cSld>
+  <p:clrMapOvr>
+    <a:masterClrMapping/>
+  </p:clrMapOvr>
+</p:sld>
+</file>
+
+<file path=ppt/slides/slide10.xml><?xml version="1.0" encoding="utf-8"?>
+<p:sld xmlns:a="http://schemas.openxmlformats.org/drawingml/2006/main" xmlns:r="http://schemas.openxmlformats.org/officeDocument/2006/relationships" xmlns:p="http://schemas.openxmlformats.org/presentationml/2006/main">
+  <p:cSld>
+    <p:spTree>
+      <p:nvGrpSpPr>
+        <p:cNvPr id="1" name=""/>
+        <p:cNvGrpSpPr/>
+        <p:nvPr/>
+      </p:nvGrpSpPr>
+      <p:grpSpPr>
+        <a:xfrm>
+          <a:off x="0" y="0"/>
+          <a:ext cx="0" cy="0"/>
+          <a:chOff x="0" y="0"/>
+          <a:chExt cx="0" cy="0"/>
+        </a:xfrm>
+      </p:grpSpPr>
+      <p:sp>
+        <p:nvSpPr>
+          <p:cNvPr id="5" name="Szövegdoboz 4"/>
+          <p:cNvSpPr txBox="1"/>
+          <p:nvPr/>
+        </p:nvSpPr>
+        <p:spPr>
+          <a:xfrm>
+            <a:off x="3441700" y="2908300"/>
+            <a:ext cx="4965700" cy="646331"/>
+          </a:xfrm>
+          <a:prstGeom prst="rect">
+            <a:avLst/>
+          </a:prstGeom>
+          <a:noFill/>
+        </p:spPr>
+        <p:txBody>
+          <a:bodyPr wrap="square" rtlCol="0">
+            <a:spAutoFit/>
+          </a:bodyPr>
+          <a:lstStyle/>
+          <a:p>
+            <a:r>
+              <a:rPr lang="hu-HU" sz="3600" dirty="0">
+                <a:latin typeface="Century Schoolbook" panose="02040604050505020304" pitchFamily="18" charset="0"/>
+              </a:rPr>
+              <a:t>Köszönöm a figyelmet!</a:t>
+            </a:r>
+          </a:p>
+        </p:txBody>
+      </p:sp>
+    </p:spTree>
+    <p:extLst>
+      <p:ext uri="{BB962C8B-B14F-4D97-AF65-F5344CB8AC3E}">
+        <p14:creationId xmlns:p14="http://schemas.microsoft.com/office/powerpoint/2010/main" val="2516084540"/>
       </p:ext>
     </p:extLst>
   </p:cSld>
@@ -6857,7 +6919,7 @@
           <a:lstStyle/>
           <a:p>
             <a:r>
-              <a:rPr lang="hu-HU" dirty="0"/>
+              <a:rPr lang="hu-HU" b="1" dirty="0"/>
               <a:t>Vírusok észlelése</a:t>
             </a:r>
           </a:p>
@@ -7103,43 +7165,7 @@
               <a:rPr lang="hu-HU" sz="2200" dirty="0">
                 <a:latin typeface="Century Schoolbook"/>
               </a:rPr>
-              <a:t>-Program állományok </a:t>
-            </a:r>
-            <a:r>
-              <a:rPr lang="hu-HU" sz="2200" dirty="0" err="1">
-                <a:latin typeface="Century Schoolbook"/>
-              </a:rPr>
-              <a:t>belsejében</a:t>
-            </a:r>
-            <a:r>
-              <a:rPr lang="hu-HU" sz="2200" dirty="0">
-                <a:latin typeface="Century Schoolbook"/>
-              </a:rPr>
-              <a:t>(</a:t>
-            </a:r>
-            <a:r>
-              <a:rPr lang="hu-HU" sz="2200" dirty="0" err="1">
-                <a:latin typeface="Century Schoolbook"/>
-              </a:rPr>
-              <a:t>exe</a:t>
-            </a:r>
-            <a:r>
-              <a:rPr lang="hu-HU" sz="2200" dirty="0">
-                <a:latin typeface="Century Schoolbook"/>
-              </a:rPr>
-              <a:t>, </a:t>
-            </a:r>
-            <a:r>
-              <a:rPr lang="hu-HU" sz="2200" dirty="0" err="1">
-                <a:latin typeface="Century Schoolbook"/>
-              </a:rPr>
-              <a:t>sys</a:t>
-            </a:r>
-            <a:r>
-              <a:rPr lang="hu-HU" sz="2200" dirty="0">
-                <a:latin typeface="Century Schoolbook"/>
-              </a:rPr>
-              <a:t>, stb.)</a:t>
+              <a:t>-Program állományok belsejében(exe, sys, stb.)</a:t>
             </a:r>
           </a:p>
         </p:txBody>
@@ -7180,7 +7206,7 @@
               <a:rPr lang="hu-HU" sz="2200" dirty="0">
                 <a:latin typeface="Century Schoolbook" panose="02040604050505020304" pitchFamily="18" charset="0"/>
               </a:rPr>
-              <a:t>-Akkor fertőződnek, hogyha fertőzött lemezről indul a gép</a:t>
+              <a:t>-Akkor fertőződnek, hogyha fertőzött lemezről indul a gép (Brain)</a:t>
             </a:r>
           </a:p>
         </p:txBody>
@@ -7409,7 +7435,7 @@
         <p:spPr>
           <a:xfrm>
             <a:off x="419100" y="273593"/>
-            <a:ext cx="5262319" cy="661988"/>
+            <a:ext cx="6406243" cy="661988"/>
           </a:xfrm>
         </p:spPr>
         <p:txBody>
@@ -7419,12 +7445,12 @@
           <a:lstStyle/>
           <a:p>
             <a:r>
-              <a:rPr lang="hu-HU" sz="4000" dirty="0">
+              <a:rPr lang="hu-HU" sz="4000" b="1" dirty="0">
                 <a:latin typeface="Century Schoolbook"/>
               </a:rPr>
               <a:t>Vírus-rokon programok</a:t>
             </a:r>
-            <a:endParaRPr lang="hu-HU" sz="4000" dirty="0">
+            <a:endParaRPr lang="hu-HU" sz="4000" b="1" dirty="0">
               <a:latin typeface="Century Schoolbook" panose="02040604050505020304" pitchFamily="18" charset="0"/>
             </a:endParaRPr>
           </a:p>
@@ -7454,7 +7480,7 @@
         </p:blipFill>
         <p:spPr>
           <a:xfrm>
-            <a:off x="5780083" y="1653288"/>
+            <a:off x="6183086" y="1658893"/>
             <a:ext cx="5708172" cy="3679340"/>
           </a:xfrm>
           <a:prstGeom prst="roundRect">
@@ -7489,8 +7515,8 @@
         </p:nvSpPr>
         <p:spPr>
           <a:xfrm>
-            <a:off x="304270" y="1116541"/>
-            <a:ext cx="5789082" cy="5262979"/>
+            <a:off x="259248" y="1072998"/>
+            <a:ext cx="5923838" cy="4493538"/>
           </a:xfrm>
           <a:prstGeom prst="rect">
             <a:avLst/>
@@ -7507,7 +7533,7 @@
           <a:lstStyle/>
           <a:p>
             <a:r>
-              <a:rPr lang="hu-HU" sz="2400" b="1" dirty="0"/>
+              <a:rPr lang="hu-HU" sz="2200" b="1" dirty="0"/>
               <a:t>Trójai falovak:</a:t>
             </a:r>
           </a:p>
@@ -7517,7 +7543,7 @@
               <a:buChar char="§"/>
             </a:pPr>
             <a:r>
-              <a:rPr lang="hu-HU" sz="2400" dirty="0"/>
+              <a:rPr lang="hu-HU" sz="2200" dirty="0"/>
               <a:t>Rendellenességet okoz a számítógépbe</a:t>
             </a:r>
           </a:p>
@@ -7527,16 +7553,16 @@
               <a:buChar char="§"/>
             </a:pPr>
             <a:r>
-              <a:rPr lang="hu-HU" sz="2400" dirty="0"/>
+              <a:rPr lang="hu-HU" sz="2200" dirty="0"/>
               <a:t>Nem szaporodik</a:t>
             </a:r>
           </a:p>
           <a:p>
-            <a:endParaRPr lang="hu-HU" sz="2400" dirty="0"/>
-          </a:p>
-          <a:p>
-            <a:r>
-              <a:rPr lang="hu-HU" sz="2400" b="1" dirty="0"/>
+            <a:endParaRPr lang="hu-HU" sz="2200" dirty="0"/>
+          </a:p>
+          <a:p>
+            <a:r>
+              <a:rPr lang="hu-HU" sz="2200" b="1" dirty="0"/>
               <a:t>Kémvírusok:</a:t>
             </a:r>
           </a:p>
@@ -7546,7 +7572,7 @@
               <a:buChar char="§"/>
             </a:pPr>
             <a:r>
-              <a:rPr lang="hu-HU" sz="2400" dirty="0"/>
+              <a:rPr lang="hu-HU" sz="2200" dirty="0"/>
               <a:t>Nem okoznak semmilyen kárt</a:t>
             </a:r>
           </a:p>
@@ -7556,16 +7582,16 @@
               <a:buChar char="§"/>
             </a:pPr>
             <a:r>
-              <a:rPr lang="hu-HU" sz="2400" dirty="0"/>
+              <a:rPr lang="hu-HU" sz="2200" dirty="0"/>
               <a:t>Információkat szednek le a gépről vagy hálózatról</a:t>
             </a:r>
           </a:p>
           <a:p>
-            <a:endParaRPr lang="hu-HU" sz="2400" dirty="0"/>
-          </a:p>
-          <a:p>
-            <a:r>
-              <a:rPr lang="hu-HU" sz="2400" b="1" dirty="0"/>
+            <a:endParaRPr lang="hu-HU" sz="2200" dirty="0"/>
+          </a:p>
+          <a:p>
+            <a:r>
+              <a:rPr lang="hu-HU" sz="2200" b="1" dirty="0"/>
               <a:t>Férgek:</a:t>
             </a:r>
           </a:p>
@@ -7575,7 +7601,7 @@
               <a:buChar char="§"/>
             </a:pPr>
             <a:r>
-              <a:rPr lang="hu-HU" sz="2400" dirty="0"/>
+              <a:rPr lang="hu-HU" sz="2200" dirty="0"/>
               <a:t>Komoly rendszerhibák</a:t>
             </a:r>
           </a:p>
@@ -7585,7 +7611,7 @@
               <a:buChar char="§"/>
             </a:pPr>
             <a:r>
-              <a:rPr lang="hu-HU" sz="2400" dirty="0"/>
+              <a:rPr lang="hu-HU" sz="2200" dirty="0"/>
               <a:t>Tárterület csökkentése</a:t>
             </a:r>
           </a:p>
@@ -7595,7 +7621,7 @@
               <a:buChar char="§"/>
             </a:pPr>
             <a:r>
-              <a:rPr lang="hu-HU" sz="2400" dirty="0"/>
+              <a:rPr lang="hu-HU" sz="2200" dirty="0"/>
               <a:t>Szaporodás</a:t>
             </a:r>
           </a:p>
@@ -7615,7 +7641,7 @@
         </p:nvSpPr>
         <p:spPr>
           <a:xfrm>
-            <a:off x="7603067" y="5338233"/>
+            <a:off x="8092924" y="5303392"/>
             <a:ext cx="2330451" cy="261610"/>
           </a:xfrm>
           <a:prstGeom prst="rect">
@@ -7688,7 +7714,7 @@
         </p:nvSpPr>
         <p:spPr>
           <a:xfrm>
-            <a:off x="637116" y="406400"/>
+            <a:off x="539144" y="531875"/>
             <a:ext cx="7292547" cy="649288"/>
           </a:xfrm>
         </p:spPr>
@@ -7699,7 +7725,7 @@
           <a:lstStyle/>
           <a:p>
             <a:r>
-              <a:rPr lang="hu-HU" dirty="0">
+              <a:rPr lang="hu-HU" b="1" dirty="0">
                 <a:latin typeface="Century Schoolbook"/>
               </a:rPr>
               <a:t>Kik írják a vírusokat?</a:t>
@@ -7767,7 +7793,7 @@
         <p:spPr>
           <a:xfrm>
             <a:off x="460374" y="1815041"/>
-            <a:ext cx="4291540" cy="3847207"/>
+            <a:ext cx="4291540" cy="3200876"/>
           </a:xfrm>
           <a:prstGeom prst="rect">
             <a:avLst/>
@@ -7791,12 +7817,12 @@
               <a:buChar char="§"/>
             </a:pPr>
             <a:r>
-              <a:rPr lang="hu-HU" sz="2800" dirty="0">
+              <a:rPr lang="hu-HU" sz="2200" dirty="0">
                 <a:latin typeface="Century Schoolbook"/>
               </a:rPr>
               <a:t>Terrorista szervezetek</a:t>
             </a:r>
-            <a:endParaRPr lang="hu-HU"/>
+            <a:endParaRPr lang="hu-HU" sz="2200" dirty="0"/>
           </a:p>
           <a:p>
             <a:pPr marL="342900" indent="-342900">
@@ -7807,7 +7833,7 @@
               <a:buChar char="§"/>
             </a:pPr>
             <a:r>
-              <a:rPr lang="hu-HU" sz="2800" dirty="0">
+              <a:rPr lang="hu-HU" sz="2200" dirty="0">
                 <a:latin typeface="Century Schoolbook"/>
               </a:rPr>
               <a:t>Programozók</a:t>
@@ -7819,7 +7845,7 @@
               <a:buChar char="§"/>
             </a:pPr>
             <a:r>
-              <a:rPr lang="hu-HU" sz="2800" dirty="0">
+              <a:rPr lang="hu-HU" sz="2200" dirty="0">
                 <a:latin typeface="Century Schoolbook"/>
               </a:rPr>
               <a:t>Egyetemi kutatólaboratóriumok</a:t>
@@ -7831,7 +7857,7 @@
               <a:buChar char="§"/>
             </a:pPr>
             <a:r>
-              <a:rPr lang="hu-HU" sz="2800" dirty="0">
+              <a:rPr lang="hu-HU" sz="2200" dirty="0">
                 <a:latin typeface="Century Schoolbook"/>
               </a:rPr>
               <a:t>Katonai kutatólaboratóriumok</a:t>
@@ -7960,7 +7986,7 @@
         </p:nvSpPr>
         <p:spPr>
           <a:xfrm>
-            <a:off x="648929" y="1450259"/>
+            <a:off x="529187" y="726722"/>
             <a:ext cx="3753599" cy="1442153"/>
           </a:xfrm>
         </p:spPr>
@@ -7976,6 +8002,9 @@
               </a:rPr>
               <a:t>Védekezés vírusok ellen</a:t>
             </a:r>
+            <a:endParaRPr lang="hu-HU" sz="3600" b="1" dirty="0">
+              <a:latin typeface="Century Schoolbook" panose="02040604050505020304" pitchFamily="18" charset="0"/>
+            </a:endParaRPr>
           </a:p>
         </p:txBody>
       </p:sp>
@@ -7991,18 +8020,18 @@
         </p:nvSpPr>
         <p:spPr>
           <a:xfrm>
-            <a:off x="647700" y="3072385"/>
-            <a:ext cx="3754987" cy="2947415"/>
+            <a:off x="527799" y="2756699"/>
+            <a:ext cx="3754987" cy="2218071"/>
           </a:xfrm>
         </p:spPr>
         <p:txBody>
           <a:bodyPr vert="horz" lIns="91440" tIns="45720" rIns="91440" bIns="45720" rtlCol="0">
-            <a:normAutofit/>
+            <a:noAutofit/>
           </a:bodyPr>
           <a:lstStyle/>
           <a:p>
             <a:r>
-              <a:rPr lang="hu-HU" sz="1800">
+              <a:rPr lang="hu-HU" sz="2200">
                 <a:latin typeface="Century Schoolbook"/>
               </a:rPr>
               <a:t>Vírusirtó programok</a:t>
@@ -8015,7 +8044,7 @@
               </a:buClr>
             </a:pPr>
             <a:r>
-              <a:rPr lang="hu-HU" sz="1800">
+              <a:rPr lang="hu-HU" sz="2200">
                 <a:latin typeface="Century Schoolbook"/>
               </a:rPr>
               <a:t>Vírusmegfigyelő programok</a:t>
@@ -8028,11 +8057,14 @@
               </a:buClr>
             </a:pPr>
             <a:r>
-              <a:rPr lang="hu-HU" sz="1800">
+              <a:rPr lang="hu-HU" sz="2200">
                 <a:latin typeface="Century Schoolbook"/>
               </a:rPr>
               <a:t>Gyanús állományokat érdemes kerülni</a:t>
             </a:r>
+            <a:endParaRPr lang="hu-HU" sz="2200" dirty="0">
+              <a:latin typeface="Century Schoolbook"/>
+            </a:endParaRPr>
           </a:p>
         </p:txBody>
       </p:sp>
@@ -8063,8 +8095,8 @@
         </p:blipFill>
         <p:spPr>
           <a:xfrm>
-            <a:off x="5050389" y="1447799"/>
-            <a:ext cx="6493910" cy="4572001"/>
+            <a:off x="5181813" y="1235528"/>
+            <a:ext cx="6231060" cy="4386943"/>
           </a:xfrm>
           <a:prstGeom prst="roundRect">
             <a:avLst>
@@ -8098,7 +8130,7 @@
         </p:nvSpPr>
         <p:spPr>
           <a:xfrm>
-            <a:off x="7170672" y="6019800"/>
+            <a:off x="7257757" y="5622471"/>
             <a:ext cx="2253343" cy="261610"/>
           </a:xfrm>
           <a:prstGeom prst="rect">
@@ -8113,9 +8145,10 @@
           <a:lstStyle/>
           <a:p>
             <a:r>
-              <a:rPr lang="hu-HU" sz="1100" dirty="0"/>
+              <a:rPr lang="hu-HU" sz="1100"/>
               <a:t>https://tinyurl.com/bdfpbtp7</a:t>
             </a:r>
+            <a:endParaRPr lang="hu-HU" sz="1100" dirty="0"/>
           </a:p>
         </p:txBody>
       </p:sp>
@@ -8159,83 +8192,202 @@
             <p:ph type="title"/>
           </p:nvPr>
         </p:nvSpPr>
-        <p:spPr/>
-        <p:txBody>
-          <a:bodyPr/>
-          <a:lstStyle/>
-          <a:p>
-            <a:r>
-              <a:rPr lang="hu-HU" dirty="0"/>
-              <a:t>Források</a:t>
-            </a:r>
-          </a:p>
-        </p:txBody>
-      </p:sp>
-      <p:sp>
-        <p:nvSpPr>
-          <p:cNvPr id="3" name="Tartalom helye 2"/>
-          <p:cNvSpPr>
-            <a:spLocks noGrp="1"/>
-          </p:cNvSpPr>
-          <p:nvPr>
-            <p:ph idx="1"/>
-          </p:nvPr>
-        </p:nvSpPr>
-        <p:spPr/>
-        <p:txBody>
-          <a:bodyPr/>
-          <a:lstStyle/>
-          <a:p>
-            <a:r>
-              <a:rPr lang="hu-HU" dirty="0">
-                <a:hlinkClick r:id="rId2"/>
+        <p:spPr>
+          <a:xfrm>
+            <a:off x="462643" y="447765"/>
+            <a:ext cx="3858986" cy="661988"/>
+          </a:xfrm>
+        </p:spPr>
+        <p:txBody>
+          <a:bodyPr>
+            <a:noAutofit/>
+          </a:bodyPr>
+          <a:lstStyle/>
+          <a:p>
+            <a:r>
+              <a:rPr lang="hu-HU" sz="4000" b="1" dirty="0">
+                <a:latin typeface="Century Schoolbook" panose="02040604050505020304" pitchFamily="18" charset="0"/>
               </a:rPr>
-              <a:t>https://hu.theastrologypage.com/macro-virus#menu-1</a:t>
-            </a:r>
-            <a:endParaRPr lang="hu-HU" dirty="0"/>
-          </a:p>
-          <a:p>
-            <a:r>
-              <a:rPr lang="hu-HU" dirty="0">
-                <a:hlinkClick r:id="rId3"/>
+              <a:t>Zombihálózat</a:t>
+            </a:r>
+          </a:p>
+        </p:txBody>
+      </p:sp>
+      <p:sp>
+        <p:nvSpPr>
+          <p:cNvPr id="11" name="Szövegdoboz 10">
+            <a:extLst>
+              <a:ext uri="{FF2B5EF4-FFF2-40B4-BE49-F238E27FC236}">
+                <a16:creationId xmlns:a16="http://schemas.microsoft.com/office/drawing/2014/main" id="{8B7A7156-A45E-CDF5-DBB7-25A382D896C4}"/>
+              </a:ext>
+            </a:extLst>
+          </p:cNvPr>
+          <p:cNvSpPr txBox="1"/>
+          <p:nvPr/>
+        </p:nvSpPr>
+        <p:spPr>
+          <a:xfrm>
+            <a:off x="332015" y="1439935"/>
+            <a:ext cx="4533849" cy="3243324"/>
+          </a:xfrm>
+          <a:prstGeom prst="rect">
+            <a:avLst/>
+          </a:prstGeom>
+          <a:noFill/>
+        </p:spPr>
+        <p:txBody>
+          <a:bodyPr wrap="square">
+            <a:spAutoFit/>
+          </a:bodyPr>
+          <a:lstStyle/>
+          <a:p>
+            <a:r>
+              <a:rPr lang="hu-HU" sz="2200" b="1" dirty="0">
+                <a:latin typeface="Century Schoolbook" panose="02040604050505020304" pitchFamily="18" charset="0"/>
               </a:rPr>
-              <a:t>https://hu.wikipedia.org/wiki/Sz%C3%A1m%C3%ADt%C3%B3g%C3%A9pes_v%C3%ADrus</a:t>
-            </a:r>
-            <a:endParaRPr lang="hu-HU" dirty="0"/>
-          </a:p>
-          <a:p>
-            <a:r>
-              <a:rPr lang="hu-HU" dirty="0">
-                <a:hlinkClick r:id="rId4"/>
+              <a:t>Mi a zombihálózat?</a:t>
+            </a:r>
+          </a:p>
+          <a:p>
+            <a:endParaRPr lang="hu-HU" sz="2200" b="1" dirty="0">
+              <a:latin typeface="Century Schoolbook" panose="02040604050505020304" pitchFamily="18" charset="0"/>
+            </a:endParaRPr>
+          </a:p>
+          <a:p>
+            <a:pPr marL="342900" indent="-342900">
+              <a:lnSpc>
+                <a:spcPct val="150000"/>
+              </a:lnSpc>
+              <a:buFont typeface="Wingdings" panose="05000000000000000000" pitchFamily="2" charset="2"/>
+              <a:buChar char="§"/>
+            </a:pPr>
+            <a:r>
+              <a:rPr lang="hu-HU" sz="2200" b="1" dirty="0">
+                <a:latin typeface="Century Schoolbook" panose="02040604050505020304" pitchFamily="18" charset="0"/>
               </a:rPr>
-              <a:t>https://www.eset.com/hu/malware-tortenelem/</a:t>
-            </a:r>
-            <a:r>
-              <a:rPr lang="hu-HU" dirty="0"/>
-              <a:t> </a:t>
-            </a:r>
-          </a:p>
-          <a:p>
-            <a:r>
-              <a:rPr lang="hu-HU">
-                <a:hlinkClick r:id="rId5"/>
+              <a:t>Vírusok és trójai szoftverek irányítása</a:t>
+            </a:r>
+          </a:p>
+          <a:p>
+            <a:pPr marL="342900" indent="-342900">
+              <a:lnSpc>
+                <a:spcPct val="150000"/>
+              </a:lnSpc>
+              <a:buFont typeface="Wingdings" panose="05000000000000000000" pitchFamily="2" charset="2"/>
+              <a:buChar char="§"/>
+            </a:pPr>
+            <a:r>
+              <a:rPr lang="hu-HU" sz="2200" b="1" dirty="0">
+                <a:latin typeface="Century Schoolbook" panose="02040604050505020304" pitchFamily="18" charset="0"/>
               </a:rPr>
-              <a:t>https://www2.akg.hu/info/erettsegi/szobeli/13.html</a:t>
-            </a:r>
-            <a:endParaRPr lang="hu-HU"/>
-          </a:p>
-          <a:p>
-            <a:endParaRPr lang="hu-HU" dirty="0"/>
-          </a:p>
-          <a:p>
-            <a:endParaRPr lang="hu-HU" dirty="0"/>
-          </a:p>
-        </p:txBody>
-      </p:sp>
+              <a:t>Spamek küldése</a:t>
+            </a:r>
+          </a:p>
+          <a:p>
+            <a:pPr marL="342900" indent="-342900">
+              <a:lnSpc>
+                <a:spcPct val="150000"/>
+              </a:lnSpc>
+              <a:buFont typeface="Wingdings" panose="05000000000000000000" pitchFamily="2" charset="2"/>
+              <a:buChar char="§"/>
+            </a:pPr>
+            <a:r>
+              <a:rPr lang="hu-HU" sz="2200" b="1" dirty="0">
+                <a:latin typeface="Century Schoolbook" panose="02040604050505020304" pitchFamily="18" charset="0"/>
+              </a:rPr>
+              <a:t>DoS támadások megerősítése</a:t>
+            </a:r>
+          </a:p>
+        </p:txBody>
+      </p:sp>
+      <p:sp>
+        <p:nvSpPr>
+          <p:cNvPr id="13" name="Szövegdoboz 12">
+            <a:extLst>
+              <a:ext uri="{FF2B5EF4-FFF2-40B4-BE49-F238E27FC236}">
+                <a16:creationId xmlns:a16="http://schemas.microsoft.com/office/drawing/2014/main" id="{EB8E36BD-63D6-04D3-F7D2-86AFE096D943}"/>
+              </a:ext>
+            </a:extLst>
+          </p:cNvPr>
+          <p:cNvSpPr txBox="1"/>
+          <p:nvPr/>
+        </p:nvSpPr>
+        <p:spPr>
+          <a:xfrm>
+            <a:off x="7377770" y="4962538"/>
+            <a:ext cx="2079170" cy="253916"/>
+          </a:xfrm>
+          <a:prstGeom prst="rect">
+            <a:avLst/>
+          </a:prstGeom>
+          <a:noFill/>
+        </p:spPr>
+        <p:txBody>
+          <a:bodyPr wrap="square">
+            <a:spAutoFit/>
+          </a:bodyPr>
+          <a:lstStyle/>
+          <a:p>
+            <a:r>
+              <a:rPr lang="hu-HU" sz="1050" dirty="0"/>
+              <a:t>https://tinyurl.com/nfe2ndbb</a:t>
+            </a:r>
+          </a:p>
+        </p:txBody>
+      </p:sp>
+      <p:pic>
+        <p:nvPicPr>
+          <p:cNvPr id="15" name="Kép 14" descr="A képen szöveg, esernyő látható&#10;&#10;Automatikusan generált leírás">
+            <a:extLst>
+              <a:ext uri="{FF2B5EF4-FFF2-40B4-BE49-F238E27FC236}">
+                <a16:creationId xmlns:a16="http://schemas.microsoft.com/office/drawing/2014/main" id="{6819A208-D257-44C2-96C2-152AB00268BD}"/>
+              </a:ext>
+            </a:extLst>
+          </p:cNvPr>
+          <p:cNvPicPr>
+            <a:picLocks noChangeAspect="1"/>
+          </p:cNvPicPr>
+          <p:nvPr/>
+        </p:nvPicPr>
+        <p:blipFill>
+          <a:blip r:embed="rId2">
+            <a:extLst>
+              <a:ext uri="{28A0092B-C50C-407E-A947-70E740481C1C}">
+                <a14:useLocalDpi xmlns:a14="http://schemas.microsoft.com/office/drawing/2010/main" val="0"/>
+              </a:ext>
+            </a:extLst>
+          </a:blip>
+          <a:stretch>
+            <a:fillRect/>
+          </a:stretch>
+        </p:blipFill>
+        <p:spPr>
+          <a:xfrm>
+            <a:off x="4865864" y="1432982"/>
+            <a:ext cx="7102983" cy="3529556"/>
+          </a:xfrm>
+          <a:prstGeom prst="roundRect">
+            <a:avLst>
+              <a:gd name="adj" fmla="val 8594"/>
+            </a:avLst>
+          </a:prstGeom>
+          <a:solidFill>
+            <a:srgbClr val="FFFFFF">
+              <a:shade val="85000"/>
+            </a:srgbClr>
+          </a:solidFill>
+          <a:ln>
+            <a:noFill/>
+          </a:ln>
+          <a:effectLst>
+            <a:reflection blurRad="12700" stA="38000" endPos="28000" dist="5000" dir="5400000" sy="-100000" algn="bl" rotWithShape="0"/>
+          </a:effectLst>
+        </p:spPr>
+      </p:pic>
     </p:spTree>
     <p:extLst>
       <p:ext uri="{BB962C8B-B14F-4D97-AF65-F5344CB8AC3E}">
-        <p14:creationId xmlns:p14="http://schemas.microsoft.com/office/powerpoint/2010/main" val="892690711"/>
+        <p14:creationId xmlns:p14="http://schemas.microsoft.com/office/powerpoint/2010/main" val="3577687831"/>
       </p:ext>
     </p:extLst>
   </p:cSld>
@@ -8264,39 +8416,91 @@
       </p:grpSpPr>
       <p:sp>
         <p:nvSpPr>
-          <p:cNvPr id="5" name="Szövegdoboz 4"/>
-          <p:cNvSpPr txBox="1"/>
-          <p:nvPr/>
-        </p:nvSpPr>
-        <p:spPr>
-          <a:xfrm>
-            <a:off x="3441700" y="2908300"/>
-            <a:ext cx="4965700" cy="646331"/>
-          </a:xfrm>
-          <a:prstGeom prst="rect">
-            <a:avLst/>
-          </a:prstGeom>
-          <a:noFill/>
-        </p:spPr>
-        <p:txBody>
-          <a:bodyPr wrap="square" rtlCol="0">
-            <a:spAutoFit/>
-          </a:bodyPr>
-          <a:lstStyle/>
-          <a:p>
-            <a:r>
-              <a:rPr lang="hu-HU" sz="3600" dirty="0">
-                <a:latin typeface="Century Schoolbook" panose="02040604050505020304" pitchFamily="18" charset="0"/>
+          <p:cNvPr id="2" name="Cím 1"/>
+          <p:cNvSpPr>
+            <a:spLocks noGrp="1"/>
+          </p:cNvSpPr>
+          <p:nvPr>
+            <p:ph type="title"/>
+          </p:nvPr>
+        </p:nvSpPr>
+        <p:spPr/>
+        <p:txBody>
+          <a:bodyPr/>
+          <a:lstStyle/>
+          <a:p>
+            <a:r>
+              <a:rPr lang="hu-HU" dirty="0"/>
+              <a:t>Források</a:t>
+            </a:r>
+          </a:p>
+        </p:txBody>
+      </p:sp>
+      <p:sp>
+        <p:nvSpPr>
+          <p:cNvPr id="3" name="Tartalom helye 2"/>
+          <p:cNvSpPr>
+            <a:spLocks noGrp="1"/>
+          </p:cNvSpPr>
+          <p:nvPr>
+            <p:ph idx="1"/>
+          </p:nvPr>
+        </p:nvSpPr>
+        <p:spPr/>
+        <p:txBody>
+          <a:bodyPr/>
+          <a:lstStyle/>
+          <a:p>
+            <a:r>
+              <a:rPr lang="hu-HU" dirty="0">
+                <a:hlinkClick r:id="rId2"/>
               </a:rPr>
-              <a:t>Köszönöm a figyelmet!</a:t>
-            </a:r>
+              <a:t>https://hu.theastrologypage.com/macro-virus#menu-1</a:t>
+            </a:r>
+            <a:endParaRPr lang="hu-HU" dirty="0"/>
+          </a:p>
+          <a:p>
+            <a:r>
+              <a:rPr lang="hu-HU" dirty="0">
+                <a:hlinkClick r:id="rId3"/>
+              </a:rPr>
+              <a:t>https://hu.wikipedia.org/wiki/Sz%C3%A1m%C3%ADt%C3%B3g%C3%A9pes_v%C3%ADrus</a:t>
+            </a:r>
+            <a:endParaRPr lang="hu-HU" dirty="0"/>
+          </a:p>
+          <a:p>
+            <a:r>
+              <a:rPr lang="hu-HU" dirty="0">
+                <a:hlinkClick r:id="rId4"/>
+              </a:rPr>
+              <a:t>https://www.eset.com/hu/malware-tortenelem/</a:t>
+            </a:r>
+            <a:r>
+              <a:rPr lang="hu-HU" dirty="0"/>
+              <a:t> </a:t>
+            </a:r>
+          </a:p>
+          <a:p>
+            <a:r>
+              <a:rPr lang="hu-HU">
+                <a:hlinkClick r:id="rId5"/>
+              </a:rPr>
+              <a:t>https://www2.akg.hu/info/erettsegi/szobeli/13.html</a:t>
+            </a:r>
+            <a:endParaRPr lang="hu-HU"/>
+          </a:p>
+          <a:p>
+            <a:endParaRPr lang="hu-HU" dirty="0"/>
+          </a:p>
+          <a:p>
+            <a:endParaRPr lang="hu-HU" dirty="0"/>
           </a:p>
         </p:txBody>
       </p:sp>
     </p:spTree>
     <p:extLst>
       <p:ext uri="{BB962C8B-B14F-4D97-AF65-F5344CB8AC3E}">
-        <p14:creationId xmlns:p14="http://schemas.microsoft.com/office/powerpoint/2010/main" val="2516084540"/>
+        <p14:creationId xmlns:p14="http://schemas.microsoft.com/office/powerpoint/2010/main" val="892690711"/>
       </p:ext>
     </p:extLst>
   </p:cSld>
